--- a/analysis/poster_presentation/Misinformation Study Poster.pptx
+++ b/analysis/poster_presentation/Misinformation Study Poster.pptx
@@ -262,7 +262,7 @@
           <a:p>
             <a:fld id="{BD1CB04D-1C75-43E0-9B64-B7DDAA42BB2C}" type="datetimeFigureOut">
               <a:rPr lang="en-US" smtClean="0"/>
-              <a:t>5/3/2025</a:t>
+              <a:t>5/4/2025</a:t>
             </a:fld>
             <a:endParaRPr lang="en-US"/>
           </a:p>
@@ -753,7 +753,7 @@
           <a:p>
             <a:fld id="{3F135061-2F74-46D4-9F8F-C77EF304855D}" type="datetimeFigureOut">
               <a:rPr lang="en-US" smtClean="0"/>
-              <a:t>5/3/2025</a:t>
+              <a:t>5/4/2025</a:t>
             </a:fld>
             <a:endParaRPr lang="en-US"/>
           </a:p>
@@ -923,7 +923,7 @@
           <a:p>
             <a:fld id="{3F135061-2F74-46D4-9F8F-C77EF304855D}" type="datetimeFigureOut">
               <a:rPr lang="en-US" smtClean="0"/>
-              <a:t>5/3/2025</a:t>
+              <a:t>5/4/2025</a:t>
             </a:fld>
             <a:endParaRPr lang="en-US"/>
           </a:p>
@@ -1103,7 +1103,7 @@
           <a:p>
             <a:fld id="{3F135061-2F74-46D4-9F8F-C77EF304855D}" type="datetimeFigureOut">
               <a:rPr lang="en-US" smtClean="0"/>
-              <a:t>5/3/2025</a:t>
+              <a:t>5/4/2025</a:t>
             </a:fld>
             <a:endParaRPr lang="en-US"/>
           </a:p>
@@ -1273,7 +1273,7 @@
           <a:p>
             <a:fld id="{3F135061-2F74-46D4-9F8F-C77EF304855D}" type="datetimeFigureOut">
               <a:rPr lang="en-US" smtClean="0"/>
-              <a:t>5/3/2025</a:t>
+              <a:t>5/4/2025</a:t>
             </a:fld>
             <a:endParaRPr lang="en-US"/>
           </a:p>
@@ -1517,7 +1517,7 @@
           <a:p>
             <a:fld id="{3F135061-2F74-46D4-9F8F-C77EF304855D}" type="datetimeFigureOut">
               <a:rPr lang="en-US" smtClean="0"/>
-              <a:t>5/3/2025</a:t>
+              <a:t>5/4/2025</a:t>
             </a:fld>
             <a:endParaRPr lang="en-US"/>
           </a:p>
@@ -1749,7 +1749,7 @@
           <a:p>
             <a:fld id="{3F135061-2F74-46D4-9F8F-C77EF304855D}" type="datetimeFigureOut">
               <a:rPr lang="en-US" smtClean="0"/>
-              <a:t>5/3/2025</a:t>
+              <a:t>5/4/2025</a:t>
             </a:fld>
             <a:endParaRPr lang="en-US"/>
           </a:p>
@@ -2116,7 +2116,7 @@
           <a:p>
             <a:fld id="{3F135061-2F74-46D4-9F8F-C77EF304855D}" type="datetimeFigureOut">
               <a:rPr lang="en-US" smtClean="0"/>
-              <a:t>5/3/2025</a:t>
+              <a:t>5/4/2025</a:t>
             </a:fld>
             <a:endParaRPr lang="en-US"/>
           </a:p>
@@ -2234,7 +2234,7 @@
           <a:p>
             <a:fld id="{3F135061-2F74-46D4-9F8F-C77EF304855D}" type="datetimeFigureOut">
               <a:rPr lang="en-US" smtClean="0"/>
-              <a:t>5/3/2025</a:t>
+              <a:t>5/4/2025</a:t>
             </a:fld>
             <a:endParaRPr lang="en-US"/>
           </a:p>
@@ -2329,7 +2329,7 @@
           <a:p>
             <a:fld id="{3F135061-2F74-46D4-9F8F-C77EF304855D}" type="datetimeFigureOut">
               <a:rPr lang="en-US" smtClean="0"/>
-              <a:t>5/3/2025</a:t>
+              <a:t>5/4/2025</a:t>
             </a:fld>
             <a:endParaRPr lang="en-US"/>
           </a:p>
@@ -2606,7 +2606,7 @@
           <a:p>
             <a:fld id="{3F135061-2F74-46D4-9F8F-C77EF304855D}" type="datetimeFigureOut">
               <a:rPr lang="en-US" smtClean="0"/>
-              <a:t>5/3/2025</a:t>
+              <a:t>5/4/2025</a:t>
             </a:fld>
             <a:endParaRPr lang="en-US"/>
           </a:p>
@@ -2863,7 +2863,7 @@
           <a:p>
             <a:fld id="{3F135061-2F74-46D4-9F8F-C77EF304855D}" type="datetimeFigureOut">
               <a:rPr lang="en-US" smtClean="0"/>
-              <a:t>5/3/2025</a:t>
+              <a:t>5/4/2025</a:t>
             </a:fld>
             <a:endParaRPr lang="en-US"/>
           </a:p>
@@ -3076,7 +3076,7 @@
           <a:p>
             <a:fld id="{3F135061-2F74-46D4-9F8F-C77EF304855D}" type="datetimeFigureOut">
               <a:rPr lang="en-US" smtClean="0"/>
-              <a:t>5/3/2025</a:t>
+              <a:t>5/4/2025</a:t>
             </a:fld>
             <a:endParaRPr lang="en-US"/>
           </a:p>
@@ -3470,7 +3470,7 @@
     <p:bg>
       <p:bgPr>
         <a:solidFill>
-          <a:schemeClr val="accent6"/>
+          <a:schemeClr val="accent5"/>
         </a:solidFill>
         <a:effectLst/>
       </p:bgPr>
@@ -3530,7 +3530,13 @@
           <a:lstStyle/>
           <a:p>
             <a:pPr algn="ctr"/>
-            <a:endParaRPr lang="en-US"/>
+            <a:endParaRPr lang="en-US">
+              <a:ln w="38100">
+                <a:solidFill>
+                  <a:schemeClr val="tx1"/>
+                </a:solidFill>
+              </a:ln>
+            </a:endParaRPr>
           </a:p>
         </p:txBody>
       </p:sp>
@@ -3624,7 +3630,7 @@
         </p:nvSpPr>
         <p:spPr>
           <a:xfrm>
-            <a:off x="28871741" y="12402865"/>
+            <a:off x="28871741" y="11171635"/>
             <a:ext cx="8907418" cy="11221983"/>
           </a:xfrm>
           <a:prstGeom prst="rect">
@@ -3680,11 +3686,32 @@
               <a:buChar char="•"/>
             </a:pPr>
             <a:r>
+              <a:rPr lang="en-US" sz="3600" b="1" u="sng" dirty="0">
+                <a:latin typeface="Arial" panose="020B0604020202020204" pitchFamily="34" charset="0"/>
+                <a:cs typeface="Arial" panose="020B0604020202020204" pitchFamily="34" charset="0"/>
+              </a:rPr>
+              <a:t>QQ1</a:t>
+            </a:r>
+            <a:r>
+              <a:rPr lang="en-US" sz="3600" b="1" dirty="0">
+                <a:latin typeface="Arial" panose="020B0604020202020204" pitchFamily="34" charset="0"/>
+                <a:cs typeface="Arial" panose="020B0604020202020204" pitchFamily="34" charset="0"/>
+              </a:rPr>
+              <a:t>:</a:t>
+            </a:r>
+            <a:r>
+              <a:rPr lang="en-US" sz="3600" dirty="0">
+                <a:latin typeface="Arial" panose="020B0604020202020204" pitchFamily="34" charset="0"/>
+                <a:cs typeface="Arial" panose="020B0604020202020204" pitchFamily="34" charset="0"/>
+              </a:rPr>
+              <a:t> </a:t>
+            </a:r>
+            <a:r>
               <a:rPr lang="en-US" sz="3600" i="1" dirty="0">
                 <a:latin typeface="Arial" panose="020B0604020202020204" pitchFamily="34" charset="0"/>
                 <a:cs typeface="Arial" panose="020B0604020202020204" pitchFamily="34" charset="0"/>
               </a:rPr>
-              <a:t>QQ1: What are some reasons you think people are attracted to radical groups?</a:t>
+              <a:t>What are some reasons you think people are attracted to radical groups?</a:t>
             </a:r>
           </a:p>
           <a:p>
@@ -3696,11 +3723,25 @@
               <a:buChar char="•"/>
             </a:pPr>
             <a:r>
+              <a:rPr lang="en-US" sz="3600" b="1" u="sng" dirty="0">
+                <a:latin typeface="Arial" panose="020B0604020202020204" pitchFamily="34" charset="0"/>
+                <a:cs typeface="Arial" panose="020B0604020202020204" pitchFamily="34" charset="0"/>
+              </a:rPr>
+              <a:t>QQ2</a:t>
+            </a:r>
+            <a:r>
+              <a:rPr lang="en-US" sz="3600" b="1" dirty="0">
+                <a:latin typeface="Arial" panose="020B0604020202020204" pitchFamily="34" charset="0"/>
+                <a:cs typeface="Arial" panose="020B0604020202020204" pitchFamily="34" charset="0"/>
+              </a:rPr>
+              <a:t>: </a:t>
+            </a:r>
+            <a:r>
               <a:rPr lang="en-US" sz="3600" i="1" dirty="0">
                 <a:latin typeface="Arial" panose="020B0604020202020204" pitchFamily="34" charset="0"/>
                 <a:cs typeface="Arial" panose="020B0604020202020204" pitchFamily="34" charset="0"/>
               </a:rPr>
-              <a:t>QQ2: What are some reasons you think people believe false ideas circulating online?</a:t>
+              <a:t>What are some reasons you think people believe false ideas circulating online?</a:t>
             </a:r>
           </a:p>
           <a:p>
@@ -3712,11 +3753,25 @@
               <a:buChar char="•"/>
             </a:pPr>
             <a:r>
+              <a:rPr lang="en-US" sz="3600" b="1" u="sng" dirty="0">
+                <a:latin typeface="Arial" panose="020B0604020202020204" pitchFamily="34" charset="0"/>
+                <a:cs typeface="Arial" panose="020B0604020202020204" pitchFamily="34" charset="0"/>
+              </a:rPr>
+              <a:t>QQ3</a:t>
+            </a:r>
+            <a:r>
+              <a:rPr lang="en-US" sz="3600" b="1" dirty="0">
+                <a:latin typeface="Arial" panose="020B0604020202020204" pitchFamily="34" charset="0"/>
+                <a:cs typeface="Arial" panose="020B0604020202020204" pitchFamily="34" charset="0"/>
+              </a:rPr>
+              <a:t>: </a:t>
+            </a:r>
+            <a:r>
               <a:rPr lang="en-US" sz="3600" i="1" dirty="0">
                 <a:latin typeface="Arial" panose="020B0604020202020204" pitchFamily="34" charset="0"/>
                 <a:cs typeface="Arial" panose="020B0604020202020204" pitchFamily="34" charset="0"/>
               </a:rPr>
-              <a:t>QQ3: Describe a situation in which supporting friends would be more important than telling the truth.</a:t>
+              <a:t>Describe a situation in which supporting friends would be more important than telling the truth.</a:t>
             </a:r>
           </a:p>
           <a:p>
@@ -3871,8 +3926,8 @@
         </p:nvSpPr>
         <p:spPr>
           <a:xfrm>
-            <a:off x="409516" y="12262798"/>
-            <a:ext cx="9031792" cy="11837087"/>
+            <a:off x="409516" y="11877790"/>
+            <a:ext cx="9031792" cy="12945082"/>
           </a:xfrm>
           <a:prstGeom prst="rect">
             <a:avLst/>
@@ -3912,7 +3967,7 @@
                 <a:latin typeface="Arial" panose="020B0604020202020204" pitchFamily="34" charset="0"/>
                 <a:cs typeface="Arial" panose="020B0604020202020204" pitchFamily="34" charset="0"/>
               </a:rPr>
-              <a:t>Dr. Daley &amp; Kainan developed a humorous audio ad that aimed to make a listener more skeptical about misinformation and increase their information literacy</a:t>
+              <a:t>Dr. Daley &amp; Kainan developed a humorous audio ad with the goal of making a listener more skeptical about misinformation and information literacy</a:t>
             </a:r>
           </a:p>
           <a:p>
@@ -3925,7 +3980,7 @@
                 <a:latin typeface="Arial" panose="020B0604020202020204" pitchFamily="34" charset="0"/>
                 <a:cs typeface="Arial" panose="020B0604020202020204" pitchFamily="34" charset="0"/>
               </a:rPr>
-              <a:t>The ad was split into an audio and visual-audio format for a test group, plus a random ad in the same formats for a control group</a:t>
+              <a:t>The ad was split into an audio and visual-audio format for a test group, while a random ad was presented in the same formats for a control group</a:t>
             </a:r>
           </a:p>
           <a:p>
@@ -3938,7 +3993,7 @@
                 <a:latin typeface="Arial" panose="020B0604020202020204" pitchFamily="34" charset="0"/>
                 <a:cs typeface="Arial" panose="020B0604020202020204" pitchFamily="34" charset="0"/>
               </a:rPr>
-              <a:t>99 college students participated in their study and were randomly assigned to 1 of the 4 groups</a:t>
+              <a:t>99 college students participated in the study and were randomly assigned 1 of the 4 ads</a:t>
             </a:r>
           </a:p>
           <a:p>
@@ -3951,8 +4006,21 @@
                 <a:latin typeface="Arial" panose="020B0604020202020204" pitchFamily="34" charset="0"/>
                 <a:cs typeface="Arial" panose="020B0604020202020204" pitchFamily="34" charset="0"/>
               </a:rPr>
-              <a:t>Participants took 3 tests before and after the ad that measured their tendency to believe misinformation</a:t>
-            </a:r>
+              <a:t>Participants took tests before and after the ad that measured their tendency to believe misinformation: </a:t>
+            </a:r>
+            <a:r>
+              <a:rPr lang="en-US" sz="3600" dirty="0">
+                <a:effectLst/>
+                <a:latin typeface="Arial" panose="020B0604020202020204" pitchFamily="34" charset="0"/>
+                <a:ea typeface="Calibri" panose="020F0502020204030204" pitchFamily="34" charset="0"/>
+                <a:cs typeface="Arial" panose="020B0604020202020204" pitchFamily="34" charset="0"/>
+              </a:rPr>
+              <a:t>Generic Conspiracist Beliefs Scale and two Misinformation Susceptibility Tests (MIST-20 and IT-MIST)</a:t>
+            </a:r>
+            <a:endParaRPr lang="en-US" sz="3600" dirty="0">
+              <a:latin typeface="Arial" panose="020B0604020202020204" pitchFamily="34" charset="0"/>
+              <a:cs typeface="Arial" panose="020B0604020202020204" pitchFamily="34" charset="0"/>
+            </a:endParaRPr>
           </a:p>
           <a:p>
             <a:pPr marL="571500" indent="-571500">
@@ -4031,7 +4099,7 @@
                 <a:latin typeface="Arial" panose="020B0604020202020204" pitchFamily="34" charset="0"/>
                 <a:cs typeface="Arial" panose="020B0604020202020204" pitchFamily="34" charset="0"/>
               </a:rPr>
-              <a:t>, Kainan Garrett</a:t>
+              <a:t>, Kainan Jarrette</a:t>
             </a:r>
             <a:r>
               <a:rPr lang="en-US" sz="4800" baseline="30000" dirty="0">
@@ -4146,8 +4214,8 @@
         </p:nvSpPr>
         <p:spPr>
           <a:xfrm>
-            <a:off x="409516" y="25362439"/>
-            <a:ext cx="9167622" cy="9621095"/>
+            <a:off x="409516" y="25073683"/>
+            <a:ext cx="9167622" cy="10729091"/>
           </a:xfrm>
           <a:prstGeom prst="rect">
             <a:avLst/>
@@ -4183,7 +4251,7 @@
                 <a:latin typeface="Arial" panose="020B0604020202020204" pitchFamily="34" charset="0"/>
                 <a:cs typeface="Arial" panose="020B0604020202020204" pitchFamily="34" charset="0"/>
               </a:rPr>
-              <a:t>The researchers asked the same open-ended questions before and after the ad, but have not had time to thoroughly analyze this qualitative data</a:t>
+              <a:t>The researchers asked the several open-ended questions before and after the ad about misinformation, but did not have time to thoroughly analyze all of this data when study was published</a:t>
             </a:r>
           </a:p>
           <a:p>
@@ -4196,7 +4264,7 @@
                 <a:latin typeface="Arial" panose="020B0604020202020204" pitchFamily="34" charset="0"/>
                 <a:cs typeface="Arial" panose="020B0604020202020204" pitchFamily="34" charset="0"/>
               </a:rPr>
-              <a:t>Graduate researcher performed thematic analysis on this qualitative data and developed a composite score that measured the change in a participant’s responses after viewing an ad</a:t>
+              <a:t>Graduate researcher performed thematic and content analysis on this data and developed a composite score that measured the percentage change in a participant’s responses after viewing an ad</a:t>
             </a:r>
           </a:p>
           <a:p>
@@ -4222,7 +4290,7 @@
                 <a:latin typeface="Arial" panose="020B0604020202020204" pitchFamily="34" charset="0"/>
                 <a:cs typeface="Arial" panose="020B0604020202020204" pitchFamily="34" charset="0"/>
               </a:rPr>
-              <a:t>Gender differences revealed contrasting viewpoints in responses</a:t>
+              <a:t>Gender differences also revealed contrasting viewpoints in responses</a:t>
             </a:r>
           </a:p>
         </p:txBody>
@@ -4241,8 +4309,8 @@
         </p:nvSpPr>
         <p:spPr>
           <a:xfrm>
-            <a:off x="606467" y="9578722"/>
-            <a:ext cx="9031791" cy="2308324"/>
+            <a:off x="577516" y="9530596"/>
+            <a:ext cx="8807116" cy="2246769"/>
           </a:xfrm>
           <a:prstGeom prst="rect">
             <a:avLst/>
@@ -4257,52 +4325,52 @@
           <a:p>
             <a:pPr algn="ctr"/>
             <a:r>
-              <a:rPr lang="en-US" sz="3600" baseline="30000" dirty="0">
+              <a:rPr lang="en-US" sz="2800" baseline="30000" dirty="0">
                 <a:latin typeface="Arial" panose="020B0604020202020204" pitchFamily="34" charset="0"/>
                 <a:cs typeface="Arial" panose="020B0604020202020204" pitchFamily="34" charset="0"/>
               </a:rPr>
               <a:t>1</a:t>
             </a:r>
             <a:r>
-              <a:rPr lang="en-US" sz="3600" dirty="0">
-                <a:latin typeface="Arial" panose="020B0604020202020204" pitchFamily="34" charset="0"/>
-                <a:cs typeface="Arial" panose="020B0604020202020204" pitchFamily="34" charset="0"/>
-              </a:rPr>
-              <a:t>Graduate Researcher </a:t>
+              <a:rPr lang="en-US" sz="2800" dirty="0">
+                <a:latin typeface="Arial" panose="020B0604020202020204" pitchFamily="34" charset="0"/>
+                <a:cs typeface="Arial" panose="020B0604020202020204" pitchFamily="34" charset="0"/>
+              </a:rPr>
+              <a:t>Graduate Researcher, College of Information Science </a:t>
             </a:r>
           </a:p>
           <a:p>
             <a:pPr algn="ctr"/>
             <a:r>
-              <a:rPr lang="en-US" sz="3600" baseline="30000" dirty="0">
+              <a:rPr lang="en-US" sz="2800" baseline="30000" dirty="0">
                 <a:latin typeface="Arial" panose="020B0604020202020204" pitchFamily="34" charset="0"/>
                 <a:cs typeface="Arial" panose="020B0604020202020204" pitchFamily="34" charset="0"/>
               </a:rPr>
               <a:t>2</a:t>
             </a:r>
             <a:r>
-              <a:rPr lang="en-US" sz="3600" dirty="0">
-                <a:latin typeface="Arial" panose="020B0604020202020204" pitchFamily="34" charset="0"/>
-                <a:cs typeface="Arial" panose="020B0604020202020204" pitchFamily="34" charset="0"/>
-              </a:rPr>
-              <a:t>Ph.D., Associate Professor, University of Arizona College of Information Science</a:t>
+              <a:rPr lang="en-US" sz="2800" dirty="0">
+                <a:latin typeface="Arial" panose="020B0604020202020204" pitchFamily="34" charset="0"/>
+                <a:cs typeface="Arial" panose="020B0604020202020204" pitchFamily="34" charset="0"/>
+              </a:rPr>
+              <a:t>Ph.D., Associate Professor, College of Information Science</a:t>
             </a:r>
           </a:p>
           <a:p>
             <a:pPr algn="ctr"/>
             <a:r>
-              <a:rPr lang="en-US" sz="3600" baseline="30000" dirty="0">
+              <a:rPr lang="en-US" sz="2800" baseline="30000" dirty="0">
                 <a:latin typeface="Arial" panose="020B0604020202020204" pitchFamily="34" charset="0"/>
                 <a:cs typeface="Arial" panose="020B0604020202020204" pitchFamily="34" charset="0"/>
               </a:rPr>
               <a:t>3</a:t>
             </a:r>
             <a:r>
-              <a:rPr lang="en-US" sz="3600" dirty="0">
-                <a:latin typeface="Arial" panose="020B0604020202020204" pitchFamily="34" charset="0"/>
-                <a:cs typeface="Arial" panose="020B0604020202020204" pitchFamily="34" charset="0"/>
-              </a:rPr>
-              <a:t>Undergraduate Research Assistant</a:t>
+              <a:rPr lang="en-US" sz="2800" dirty="0">
+                <a:latin typeface="Arial" panose="020B0604020202020204" pitchFamily="34" charset="0"/>
+                <a:cs typeface="Arial" panose="020B0604020202020204" pitchFamily="34" charset="0"/>
+              </a:rPr>
+              <a:t>Undergraduate Research Assistant, College of Science - Psychology </a:t>
             </a:r>
           </a:p>
         </p:txBody>
@@ -4321,7 +4389,7 @@
         </p:nvSpPr>
         <p:spPr>
           <a:xfrm>
-            <a:off x="28900295" y="931364"/>
+            <a:off x="28900295" y="474164"/>
             <a:ext cx="9031792" cy="10839891"/>
           </a:xfrm>
           <a:prstGeom prst="rect">
@@ -4665,7 +4733,7 @@
         </p:blipFill>
         <p:spPr>
           <a:xfrm>
-            <a:off x="1480138" y="36758880"/>
+            <a:off x="613867" y="36614502"/>
             <a:ext cx="6378691" cy="1132449"/>
           </a:xfrm>
           <a:prstGeom prst="rect">
@@ -4695,8 +4763,8 @@
         </p:blipFill>
         <p:spPr>
           <a:xfrm>
-            <a:off x="12094103" y="19113760"/>
-            <a:ext cx="11681747" cy="4708766"/>
+            <a:off x="12021913" y="27316168"/>
+            <a:ext cx="9634929" cy="3883720"/>
           </a:xfrm>
           <a:prstGeom prst="rect">
             <a:avLst/>
@@ -4729,8 +4797,8 @@
         </p:blipFill>
         <p:spPr>
           <a:xfrm>
-            <a:off x="15491915" y="25174071"/>
-            <a:ext cx="10620623" cy="5946687"/>
+            <a:off x="17952372" y="21967621"/>
+            <a:ext cx="8228344" cy="4607205"/>
           </a:xfrm>
           <a:prstGeom prst="rect">
             <a:avLst/>
@@ -4756,8 +4824,8 @@
         </p:nvSpPr>
         <p:spPr>
           <a:xfrm>
-            <a:off x="28803872" y="24442463"/>
-            <a:ext cx="9167792" cy="12391084"/>
+            <a:off x="28803871" y="22415532"/>
+            <a:ext cx="9246967" cy="15715071"/>
           </a:xfrm>
           <a:prstGeom prst="rect">
             <a:avLst/>
@@ -4793,7 +4861,7 @@
               <a:buChar char="•"/>
             </a:pPr>
             <a:r>
-              <a:rPr lang="en-US" sz="3600" u="sng" dirty="0">
+              <a:rPr lang="en-US" sz="3600" b="1" u="sng" dirty="0">
                 <a:solidFill>
                   <a:srgbClr val="000000"/>
                 </a:solidFill>
@@ -4802,6 +4870,17 @@
                 <a:cs typeface="Arial" panose="020B0604020202020204" pitchFamily="34" charset="0"/>
               </a:rPr>
               <a:t>QQ1</a:t>
+            </a:r>
+            <a:r>
+              <a:rPr lang="en-US" sz="3600" b="1" dirty="0">
+                <a:solidFill>
+                  <a:srgbClr val="000000"/>
+                </a:solidFill>
+                <a:latin typeface="Arial" panose="020B0604020202020204" pitchFamily="34" charset="0"/>
+                <a:ea typeface="Verdana" panose="020B0604030504040204" pitchFamily="34" charset="0"/>
+                <a:cs typeface="Arial" panose="020B0604020202020204" pitchFamily="34" charset="0"/>
+              </a:rPr>
+              <a:t>: </a:t>
             </a:r>
             <a:r>
               <a:rPr lang="en-US" sz="3600" dirty="0">
@@ -4812,7 +4891,7 @@
                 <a:ea typeface="Verdana" panose="020B0604030504040204" pitchFamily="34" charset="0"/>
                 <a:cs typeface="Arial" panose="020B0604020202020204" pitchFamily="34" charset="0"/>
               </a:rPr>
-              <a:t>: 9 main categories were discovered, where the category of “wanting to be part of a community” increased after hearing the test ad of the female character joining a new group of radical friends online (Fig. 1)</a:t>
+              <a:t>9 main categories were discovered, where the category of “wanting to be part of a community” increased at least 21% for the test group whose ads portray a female character becoming friends with an online radical group (Fig. 1)</a:t>
             </a:r>
           </a:p>
           <a:p>
@@ -4821,19 +4900,30 @@
               <a:buChar char="•"/>
             </a:pPr>
             <a:r>
-              <a:rPr lang="en-US" sz="3600" u="sng" dirty="0">
-                <a:latin typeface="Arial" panose="020B0604020202020204" pitchFamily="34" charset="0"/>
-                <a:cs typeface="Arial" panose="020B0604020202020204" pitchFamily="34" charset="0"/>
-              </a:rPr>
-              <a:t>QQ3</a:t>
+              <a:rPr lang="en-US" sz="3600" b="1" u="sng" dirty="0">
+                <a:latin typeface="Arial" panose="020B0604020202020204" pitchFamily="34" charset="0"/>
+                <a:cs typeface="Arial" panose="020B0604020202020204" pitchFamily="34" charset="0"/>
+              </a:rPr>
+              <a:t>QQ2</a:t>
+            </a:r>
+            <a:r>
+              <a:rPr lang="en-US" sz="3600" b="1" dirty="0">
+                <a:latin typeface="Arial" panose="020B0604020202020204" pitchFamily="34" charset="0"/>
+                <a:cs typeface="Arial" panose="020B0604020202020204" pitchFamily="34" charset="0"/>
+              </a:rPr>
+              <a:t>: </a:t>
             </a:r>
             <a:r>
               <a:rPr lang="en-US" sz="3600" dirty="0">
                 <a:latin typeface="Arial" panose="020B0604020202020204" pitchFamily="34" charset="0"/>
                 <a:cs typeface="Arial" panose="020B0604020202020204" pitchFamily="34" charset="0"/>
               </a:rPr>
-              <a:t>: Females had a higher tendency than men to tell the truth over supporting their friends, while males had a slightly higher chance of protecting their friends from punishment or danger than females (Fig. 2)</a:t>
-            </a:r>
+              <a:t>6 common answers that remained about the same before and after ad (Fig. 2)</a:t>
+            </a:r>
+            <a:endParaRPr lang="en-US" sz="3600" u="sng" dirty="0">
+              <a:latin typeface="Arial" panose="020B0604020202020204" pitchFamily="34" charset="0"/>
+              <a:cs typeface="Arial" panose="020B0604020202020204" pitchFamily="34" charset="0"/>
+            </a:endParaRPr>
           </a:p>
           <a:p>
             <a:pPr marL="571500" indent="-571500">
@@ -4841,7 +4931,34 @@
               <a:buChar char="•"/>
             </a:pPr>
             <a:r>
-              <a:rPr lang="en-US" sz="3600" u="sng" dirty="0">
+              <a:rPr lang="en-US" sz="3600" b="1" u="sng" dirty="0">
+                <a:latin typeface="Arial" panose="020B0604020202020204" pitchFamily="34" charset="0"/>
+                <a:cs typeface="Arial" panose="020B0604020202020204" pitchFamily="34" charset="0"/>
+              </a:rPr>
+              <a:t>QQ3</a:t>
+            </a:r>
+            <a:r>
+              <a:rPr lang="en-US" sz="3600" b="1" dirty="0">
+                <a:latin typeface="Arial" panose="020B0604020202020204" pitchFamily="34" charset="0"/>
+                <a:cs typeface="Arial" panose="020B0604020202020204" pitchFamily="34" charset="0"/>
+              </a:rPr>
+              <a:t>: </a:t>
+            </a:r>
+            <a:r>
+              <a:rPr lang="en-US" sz="3600" dirty="0">
+                <a:latin typeface="Arial" panose="020B0604020202020204" pitchFamily="34" charset="0"/>
+                <a:cs typeface="Arial" panose="020B0604020202020204" pitchFamily="34" charset="0"/>
+              </a:rPr>
+              <a:t>Females had a significantly higher tendency (325%) than men to “tell the truth over supporting friends”, while males were 44% more likely to “protect their friends” than females (Fig. 3)</a:t>
+            </a:r>
+          </a:p>
+          <a:p>
+            <a:pPr marL="571500" indent="-571500">
+              <a:buFont typeface="Arial" panose="020B0604020202020204" pitchFamily="34" charset="0"/>
+              <a:buChar char="•"/>
+            </a:pPr>
+            <a:r>
+              <a:rPr lang="en-US" sz="3600" b="1" u="sng" dirty="0">
                 <a:solidFill>
                   <a:srgbClr val="000000"/>
                 </a:solidFill>
@@ -4849,7 +4966,18 @@
                 <a:ea typeface="Verdana" panose="020B0604030504040204" pitchFamily="34" charset="0"/>
                 <a:cs typeface="Arial" panose="020B0604020202020204" pitchFamily="34" charset="0"/>
               </a:rPr>
-              <a:t>Composite score</a:t>
+              <a:t>Sentiment analysis</a:t>
+            </a:r>
+            <a:r>
+              <a:rPr lang="en-US" sz="3600" b="1" dirty="0">
+                <a:solidFill>
+                  <a:srgbClr val="000000"/>
+                </a:solidFill>
+                <a:latin typeface="Arial" panose="020B0604020202020204" pitchFamily="34" charset="0"/>
+                <a:ea typeface="Verdana" panose="020B0604030504040204" pitchFamily="34" charset="0"/>
+                <a:cs typeface="Arial" panose="020B0604020202020204" pitchFamily="34" charset="0"/>
+              </a:rPr>
+              <a:t>: </a:t>
             </a:r>
             <a:r>
               <a:rPr lang="en-US" sz="3600" dirty="0">
@@ -4860,7 +4988,7 @@
                 <a:ea typeface="Verdana" panose="020B0604030504040204" pitchFamily="34" charset="0"/>
                 <a:cs typeface="Arial" panose="020B0604020202020204" pitchFamily="34" charset="0"/>
               </a:rPr>
-              <a:t>: Visual ads had a 66.67% chance of increasing written responses by at least 50% (Table 1) </a:t>
+              <a:t>Participants had a the largest negative feeling towards audio-only ads (19.0% and 14.3% for the control and test ad, respectively), while the test audio-visual ad had the largest positive sentiment of 82%, with no negative sentiment, indicating that people prefer this format the most (Fig. 4)</a:t>
             </a:r>
           </a:p>
           <a:p>
@@ -4869,7 +4997,7 @@
               <a:buChar char="•"/>
             </a:pPr>
             <a:r>
-              <a:rPr lang="en-US" sz="3600" u="sng" dirty="0">
+              <a:rPr lang="en-US" sz="3600" b="1" u="sng" dirty="0">
                 <a:solidFill>
                   <a:srgbClr val="000000"/>
                 </a:solidFill>
@@ -4877,7 +5005,18 @@
                 <a:ea typeface="Verdana" panose="020B0604030504040204" pitchFamily="34" charset="0"/>
                 <a:cs typeface="Arial" panose="020B0604020202020204" pitchFamily="34" charset="0"/>
               </a:rPr>
-              <a:t>Sentiment analysis</a:t>
+              <a:t>Composite score</a:t>
+            </a:r>
+            <a:r>
+              <a:rPr lang="en-US" sz="3600" b="1" dirty="0">
+                <a:solidFill>
+                  <a:srgbClr val="000000"/>
+                </a:solidFill>
+                <a:latin typeface="Arial" panose="020B0604020202020204" pitchFamily="34" charset="0"/>
+                <a:ea typeface="Verdana" panose="020B0604030504040204" pitchFamily="34" charset="0"/>
+                <a:cs typeface="Arial" panose="020B0604020202020204" pitchFamily="34" charset="0"/>
+              </a:rPr>
+              <a:t>: </a:t>
             </a:r>
             <a:r>
               <a:rPr lang="en-US" sz="3600" dirty="0">
@@ -4888,7 +5027,7 @@
                 <a:ea typeface="Verdana" panose="020B0604030504040204" pitchFamily="34" charset="0"/>
                 <a:cs typeface="Arial" panose="020B0604020202020204" pitchFamily="34" charset="0"/>
               </a:rPr>
-              <a:t>: Participants had a negative feeling towards audio-only ads, while the test audio-visual ad had the largest positive sentiment 82%, and had no negative sentiment (Fig. 3)</a:t>
+              <a:t>The largest increase in written responses increasing &gt;= 50% was the visual-audio control ad for QQ1, at 36.4% (Table 1)</a:t>
             </a:r>
           </a:p>
         </p:txBody>
@@ -4907,8 +5046,8 @@
         </p:nvSpPr>
         <p:spPr>
           <a:xfrm>
-            <a:off x="16995463" y="33180208"/>
-            <a:ext cx="4131989" cy="3886185"/>
+            <a:off x="17566963" y="34648062"/>
+            <a:ext cx="2816537" cy="2633790"/>
           </a:xfrm>
           <a:prstGeom prst="ellipse">
             <a:avLst/>
@@ -4956,14 +5095,14 @@
         </p:nvSpPr>
         <p:spPr>
           <a:xfrm rot="5400000">
-            <a:off x="18536453" y="34456430"/>
-            <a:ext cx="1460769" cy="1334585"/>
+            <a:off x="18597494" y="35520344"/>
+            <a:ext cx="990011" cy="909709"/>
           </a:xfrm>
           <a:prstGeom prst="triangle">
             <a:avLst/>
           </a:prstGeom>
           <a:solidFill>
-            <a:schemeClr val="accent6"/>
+            <a:schemeClr val="accent5"/>
           </a:solidFill>
           <a:ln w="12700">
             <a:solidFill>
@@ -4992,16 +5131,16 @@
           <a:lstStyle/>
           <a:p>
             <a:pPr algn="ctr"/>
-            <a:endParaRPr lang="en-US"/>
+            <a:endParaRPr lang="en-US" dirty="0"/>
           </a:p>
         </p:txBody>
       </p:sp>
       <p:pic>
         <p:nvPicPr>
-          <p:cNvPr id="32" name="Picture 31">
+          <p:cNvPr id="38" name="Picture 37">
             <a:extLst>
               <a:ext uri="{FF2B5EF4-FFF2-40B4-BE49-F238E27FC236}">
-                <a16:creationId xmlns:a16="http://schemas.microsoft.com/office/drawing/2014/main" id="{5A5A5A1C-0AB6-48A4-976C-66B3DF5BF8F6}"/>
+                <a16:creationId xmlns:a16="http://schemas.microsoft.com/office/drawing/2014/main" id="{61099E1F-0F0C-4F4F-8901-B83125285FF9}"/>
               </a:ext>
             </a:extLst>
           </p:cNvPr>
@@ -5018,8 +5157,8 @@
         </p:blipFill>
         <p:spPr>
           <a:xfrm>
-            <a:off x="11915378" y="3635819"/>
-            <a:ext cx="11762769" cy="6693291"/>
+            <a:off x="12443019" y="16208639"/>
+            <a:ext cx="8876939" cy="5151929"/>
           </a:xfrm>
           <a:prstGeom prst="rect">
             <a:avLst/>
@@ -5031,47 +5170,12 @@
           </a:ln>
         </p:spPr>
       </p:pic>
-      <p:pic>
-        <p:nvPicPr>
-          <p:cNvPr id="38" name="Picture 37">
+      <p:sp>
+        <p:nvSpPr>
+          <p:cNvPr id="64" name="Isosceles Triangle 63">
             <a:extLst>
               <a:ext uri="{FF2B5EF4-FFF2-40B4-BE49-F238E27FC236}">
-                <a16:creationId xmlns:a16="http://schemas.microsoft.com/office/drawing/2014/main" id="{61099E1F-0F0C-4F4F-8901-B83125285FF9}"/>
-              </a:ext>
-            </a:extLst>
-          </p:cNvPr>
-          <p:cNvPicPr>
-            <a:picLocks noChangeAspect="1"/>
-          </p:cNvPicPr>
-          <p:nvPr/>
-        </p:nvPicPr>
-        <p:blipFill>
-          <a:blip r:embed="rId7"/>
-          <a:stretch>
-            <a:fillRect/>
-          </a:stretch>
-        </p:blipFill>
-        <p:spPr>
-          <a:xfrm>
-            <a:off x="15559197" y="11437024"/>
-            <a:ext cx="11141066" cy="6465966"/>
-          </a:xfrm>
-          <a:prstGeom prst="rect">
-            <a:avLst/>
-          </a:prstGeom>
-          <a:ln w="9525">
-            <a:solidFill>
-              <a:schemeClr val="tx1"/>
-            </a:solidFill>
-          </a:ln>
-        </p:spPr>
-      </p:pic>
-      <p:sp>
-        <p:nvSpPr>
-          <p:cNvPr id="63" name="Isosceles Triangle 62">
-            <a:extLst>
-              <a:ext uri="{FF2B5EF4-FFF2-40B4-BE49-F238E27FC236}">
-                <a16:creationId xmlns:a16="http://schemas.microsoft.com/office/drawing/2014/main" id="{B29E31CC-61B6-4710-A569-B47FDC77116A}"/>
+                <a16:creationId xmlns:a16="http://schemas.microsoft.com/office/drawing/2014/main" id="{EBFD8D47-A3E4-4A13-9920-75521E182DB1}"/>
               </a:ext>
             </a:extLst>
           </p:cNvPr>
@@ -5079,9 +5183,9 @@
           <p:nvPr/>
         </p:nvSpPr>
         <p:spPr>
-          <a:xfrm rot="5400000">
-            <a:off x="23085320" y="34688109"/>
-            <a:ext cx="1067736" cy="975503"/>
+          <a:xfrm rot="16200000">
+            <a:off x="14533867" y="35507279"/>
+            <a:ext cx="905674" cy="827440"/>
           </a:xfrm>
           <a:prstGeom prst="triangle">
             <a:avLst/>
@@ -5122,10 +5226,10 @@
       </p:sp>
       <p:sp>
         <p:nvSpPr>
-          <p:cNvPr id="64" name="Isosceles Triangle 63">
+          <p:cNvPr id="67" name="Rectangle 66">
             <a:extLst>
               <a:ext uri="{FF2B5EF4-FFF2-40B4-BE49-F238E27FC236}">
-                <a16:creationId xmlns:a16="http://schemas.microsoft.com/office/drawing/2014/main" id="{EBFD8D47-A3E4-4A13-9920-75521E182DB1}"/>
+                <a16:creationId xmlns:a16="http://schemas.microsoft.com/office/drawing/2014/main" id="{0DD03499-48E3-498F-8389-F30FC14002C0}"/>
               </a:ext>
             </a:extLst>
           </p:cNvPr>
@@ -5133,9 +5237,421 @@
           <p:nvPr/>
         </p:nvSpPr>
         <p:spPr>
-          <a:xfrm rot="16200000">
-            <a:off x="13949351" y="34696132"/>
-            <a:ext cx="1067736" cy="975503"/>
+          <a:xfrm>
+            <a:off x="14301544" y="35332737"/>
+            <a:ext cx="204107" cy="1061359"/>
+          </a:xfrm>
+          <a:prstGeom prst="rect">
+            <a:avLst/>
+          </a:prstGeom>
+          <a:solidFill>
+            <a:schemeClr val="bg1"/>
+          </a:solidFill>
+          <a:ln w="12700">
+            <a:solidFill>
+              <a:schemeClr val="tx1"/>
+            </a:solidFill>
+          </a:ln>
+        </p:spPr>
+        <p:style>
+          <a:lnRef idx="2">
+            <a:schemeClr val="accent1">
+              <a:shade val="50000"/>
+            </a:schemeClr>
+          </a:lnRef>
+          <a:fillRef idx="1">
+            <a:schemeClr val="accent1"/>
+          </a:fillRef>
+          <a:effectRef idx="0">
+            <a:schemeClr val="accent1"/>
+          </a:effectRef>
+          <a:fontRef idx="minor">
+            <a:schemeClr val="lt1"/>
+          </a:fontRef>
+        </p:style>
+        <p:txBody>
+          <a:bodyPr rtlCol="0" anchor="ctr"/>
+          <a:lstStyle/>
+          <a:p>
+            <a:pPr algn="ctr"/>
+            <a:endParaRPr lang="en-US"/>
+          </a:p>
+        </p:txBody>
+      </p:sp>
+      <p:sp>
+        <p:nvSpPr>
+          <p:cNvPr id="70" name="TextBox 69">
+            <a:extLst>
+              <a:ext uri="{FF2B5EF4-FFF2-40B4-BE49-F238E27FC236}">
+                <a16:creationId xmlns:a16="http://schemas.microsoft.com/office/drawing/2014/main" id="{2533B73C-8065-40B2-9665-04A701E1D279}"/>
+              </a:ext>
+            </a:extLst>
+          </p:cNvPr>
+          <p:cNvSpPr txBox="1"/>
+          <p:nvPr/>
+        </p:nvSpPr>
+        <p:spPr>
+          <a:xfrm>
+            <a:off x="22826572" y="5455286"/>
+            <a:ext cx="3409644" cy="2246769"/>
+          </a:xfrm>
+          <a:prstGeom prst="rect">
+            <a:avLst/>
+          </a:prstGeom>
+          <a:noFill/>
+        </p:spPr>
+        <p:txBody>
+          <a:bodyPr wrap="square" rtlCol="0">
+            <a:spAutoFit/>
+          </a:bodyPr>
+          <a:lstStyle/>
+          <a:p>
+            <a:r>
+              <a:rPr lang="en-US" sz="2800" b="1" dirty="0"/>
+              <a:t>Figure 1</a:t>
+            </a:r>
+            <a:r>
+              <a:rPr lang="en-US" sz="2800" dirty="0"/>
+              <a:t>. </a:t>
+            </a:r>
+          </a:p>
+          <a:p>
+            <a:r>
+              <a:rPr lang="en-US" sz="2800" dirty="0"/>
+              <a:t>QQ1 Top 5 responses (out of 9) by ad group, before and after ad</a:t>
+            </a:r>
+          </a:p>
+        </p:txBody>
+      </p:sp>
+      <p:sp>
+        <p:nvSpPr>
+          <p:cNvPr id="72" name="TextBox 71">
+            <a:extLst>
+              <a:ext uri="{FF2B5EF4-FFF2-40B4-BE49-F238E27FC236}">
+                <a16:creationId xmlns:a16="http://schemas.microsoft.com/office/drawing/2014/main" id="{00584808-E9AD-436A-9FD4-4FFEB42FF493}"/>
+              </a:ext>
+            </a:extLst>
+          </p:cNvPr>
+          <p:cNvSpPr txBox="1"/>
+          <p:nvPr/>
+        </p:nvSpPr>
+        <p:spPr>
+          <a:xfrm>
+            <a:off x="22000745" y="17915568"/>
+            <a:ext cx="3886200" cy="1815882"/>
+          </a:xfrm>
+          <a:prstGeom prst="rect">
+            <a:avLst/>
+          </a:prstGeom>
+          <a:noFill/>
+        </p:spPr>
+        <p:txBody>
+          <a:bodyPr wrap="square" rtlCol="0">
+            <a:spAutoFit/>
+          </a:bodyPr>
+          <a:lstStyle/>
+          <a:p>
+            <a:r>
+              <a:rPr lang="en-US" sz="2800" b="1" dirty="0"/>
+              <a:t>Figure 3</a:t>
+            </a:r>
+            <a:r>
+              <a:rPr lang="en-US" sz="2800" dirty="0"/>
+              <a:t>. </a:t>
+            </a:r>
+          </a:p>
+          <a:p>
+            <a:r>
+              <a:rPr lang="en-US" sz="2800" dirty="0"/>
+              <a:t>QQ3 responses split by female and male, before and after ad</a:t>
+            </a:r>
+          </a:p>
+        </p:txBody>
+      </p:sp>
+      <p:sp>
+        <p:nvSpPr>
+          <p:cNvPr id="73" name="TextBox 72">
+            <a:extLst>
+              <a:ext uri="{FF2B5EF4-FFF2-40B4-BE49-F238E27FC236}">
+                <a16:creationId xmlns:a16="http://schemas.microsoft.com/office/drawing/2014/main" id="{081F1535-CB6B-4E12-BA1D-90BB2BF89725}"/>
+              </a:ext>
+            </a:extLst>
+          </p:cNvPr>
+          <p:cNvSpPr txBox="1"/>
+          <p:nvPr/>
+        </p:nvSpPr>
+        <p:spPr>
+          <a:xfrm>
+            <a:off x="22272523" y="28126045"/>
+            <a:ext cx="3983681" cy="2246769"/>
+          </a:xfrm>
+          <a:prstGeom prst="rect">
+            <a:avLst/>
+          </a:prstGeom>
+          <a:noFill/>
+        </p:spPr>
+        <p:txBody>
+          <a:bodyPr wrap="square" rtlCol="0">
+            <a:spAutoFit/>
+          </a:bodyPr>
+          <a:lstStyle/>
+          <a:p>
+            <a:r>
+              <a:rPr lang="en-US" sz="2800" b="1" dirty="0"/>
+              <a:t>Table 1</a:t>
+            </a:r>
+            <a:r>
+              <a:rPr lang="en-US" sz="2800" dirty="0"/>
+              <a:t>. </a:t>
+            </a:r>
+          </a:p>
+          <a:p>
+            <a:r>
+              <a:rPr lang="en-US" sz="2800" dirty="0"/>
+              <a:t>Composite score of QQ1-QQ3, with a difference of </a:t>
+            </a:r>
+            <a:r>
+              <a:rPr lang="en-US" sz="2800" u="sng" dirty="0"/>
+              <a:t>+</a:t>
+            </a:r>
+            <a:r>
+              <a:rPr lang="en-US" sz="2800" dirty="0"/>
+              <a:t> 50% in amount of words and sentences</a:t>
+            </a:r>
+          </a:p>
+        </p:txBody>
+      </p:sp>
+      <p:sp>
+        <p:nvSpPr>
+          <p:cNvPr id="74" name="TextBox 73">
+            <a:extLst>
+              <a:ext uri="{FF2B5EF4-FFF2-40B4-BE49-F238E27FC236}">
+                <a16:creationId xmlns:a16="http://schemas.microsoft.com/office/drawing/2014/main" id="{A04DA3CE-F412-4258-9FF2-D36002008D21}"/>
+              </a:ext>
+            </a:extLst>
+          </p:cNvPr>
+          <p:cNvSpPr txBox="1"/>
+          <p:nvPr/>
+        </p:nvSpPr>
+        <p:spPr>
+          <a:xfrm>
+            <a:off x="14255545" y="23376061"/>
+            <a:ext cx="3017598" cy="1384995"/>
+          </a:xfrm>
+          <a:prstGeom prst="rect">
+            <a:avLst/>
+          </a:prstGeom>
+          <a:noFill/>
+        </p:spPr>
+        <p:txBody>
+          <a:bodyPr wrap="square" rtlCol="0">
+            <a:spAutoFit/>
+          </a:bodyPr>
+          <a:lstStyle/>
+          <a:p>
+            <a:pPr algn="r"/>
+            <a:r>
+              <a:rPr lang="en-US" sz="2800" b="1" dirty="0"/>
+              <a:t>Figure 4</a:t>
+            </a:r>
+            <a:r>
+              <a:rPr lang="en-US" sz="2800" dirty="0"/>
+              <a:t>. </a:t>
+            </a:r>
+          </a:p>
+          <a:p>
+            <a:pPr algn="r"/>
+            <a:r>
+              <a:rPr lang="en-US" sz="2800" dirty="0"/>
+              <a:t>Sentiment towards ad by ad group</a:t>
+            </a:r>
+          </a:p>
+        </p:txBody>
+      </p:sp>
+      <p:sp>
+        <p:nvSpPr>
+          <p:cNvPr id="35" name="TextBox 34">
+            <a:extLst>
+              <a:ext uri="{FF2B5EF4-FFF2-40B4-BE49-F238E27FC236}">
+                <a16:creationId xmlns:a16="http://schemas.microsoft.com/office/drawing/2014/main" id="{D734191C-300C-42A5-8F6D-743F3BCC1778}"/>
+              </a:ext>
+            </a:extLst>
+          </p:cNvPr>
+          <p:cNvSpPr txBox="1"/>
+          <p:nvPr/>
+        </p:nvSpPr>
+        <p:spPr>
+          <a:xfrm>
+            <a:off x="13556612" y="11768433"/>
+            <a:ext cx="2995347" cy="1815882"/>
+          </a:xfrm>
+          <a:prstGeom prst="rect">
+            <a:avLst/>
+          </a:prstGeom>
+          <a:noFill/>
+        </p:spPr>
+        <p:txBody>
+          <a:bodyPr wrap="square" rtlCol="0">
+            <a:spAutoFit/>
+          </a:bodyPr>
+          <a:lstStyle/>
+          <a:p>
+            <a:pPr algn="r"/>
+            <a:r>
+              <a:rPr lang="en-US" sz="2800" b="1" dirty="0"/>
+              <a:t>Figure 2</a:t>
+            </a:r>
+            <a:r>
+              <a:rPr lang="en-US" sz="2800" dirty="0"/>
+              <a:t>. </a:t>
+            </a:r>
+          </a:p>
+          <a:p>
+            <a:pPr algn="r"/>
+            <a:r>
+              <a:rPr lang="en-US" sz="2800" dirty="0"/>
+              <a:t>QQ3 responses with all ad groups, before and after ad</a:t>
+            </a:r>
+          </a:p>
+        </p:txBody>
+      </p:sp>
+      <p:pic>
+        <p:nvPicPr>
+          <p:cNvPr id="17" name="Picture 16">
+            <a:extLst>
+              <a:ext uri="{FF2B5EF4-FFF2-40B4-BE49-F238E27FC236}">
+                <a16:creationId xmlns:a16="http://schemas.microsoft.com/office/drawing/2014/main" id="{ECB8B2EF-4E86-40FD-B205-C52C501D6A7F}"/>
+              </a:ext>
+            </a:extLst>
+          </p:cNvPr>
+          <p:cNvPicPr>
+            <a:picLocks noChangeAspect="1"/>
+          </p:cNvPicPr>
+          <p:nvPr/>
+        </p:nvPicPr>
+        <p:blipFill>
+          <a:blip r:embed="rId7"/>
+          <a:stretch>
+            <a:fillRect/>
+          </a:stretch>
+        </p:blipFill>
+        <p:spPr>
+          <a:xfrm>
+            <a:off x="12421676" y="3509295"/>
+            <a:ext cx="9957059" cy="6148442"/>
+          </a:xfrm>
+          <a:prstGeom prst="rect">
+            <a:avLst/>
+          </a:prstGeom>
+          <a:ln w="9525">
+            <a:solidFill>
+              <a:schemeClr val="tx1"/>
+            </a:solidFill>
+          </a:ln>
+        </p:spPr>
+      </p:pic>
+      <p:pic>
+        <p:nvPicPr>
+          <p:cNvPr id="19" name="Picture 18">
+            <a:extLst>
+              <a:ext uri="{FF2B5EF4-FFF2-40B4-BE49-F238E27FC236}">
+                <a16:creationId xmlns:a16="http://schemas.microsoft.com/office/drawing/2014/main" id="{63668F40-21A3-4C62-BE9D-80AA85720C1A}"/>
+              </a:ext>
+            </a:extLst>
+          </p:cNvPr>
+          <p:cNvPicPr>
+            <a:picLocks noChangeAspect="1"/>
+          </p:cNvPicPr>
+          <p:nvPr/>
+        </p:nvPicPr>
+        <p:blipFill>
+          <a:blip r:embed="rId8"/>
+          <a:stretch>
+            <a:fillRect/>
+          </a:stretch>
+        </p:blipFill>
+        <p:spPr>
+          <a:xfrm>
+            <a:off x="17187477" y="10315355"/>
+            <a:ext cx="8974753" cy="5115145"/>
+          </a:xfrm>
+          <a:prstGeom prst="rect">
+            <a:avLst/>
+          </a:prstGeom>
+          <a:ln w="9525">
+            <a:solidFill>
+              <a:schemeClr val="tx1"/>
+            </a:solidFill>
+          </a:ln>
+        </p:spPr>
+      </p:pic>
+      <p:sp>
+        <p:nvSpPr>
+          <p:cNvPr id="20" name="Rectangle: Rounded Corners 19">
+            <a:extLst>
+              <a:ext uri="{FF2B5EF4-FFF2-40B4-BE49-F238E27FC236}">
+                <a16:creationId xmlns:a16="http://schemas.microsoft.com/office/drawing/2014/main" id="{8F79D437-5392-4634-8632-F3F43274A837}"/>
+              </a:ext>
+            </a:extLst>
+          </p:cNvPr>
+          <p:cNvSpPr/>
+          <p:nvPr/>
+        </p:nvSpPr>
+        <p:spPr>
+          <a:xfrm>
+            <a:off x="11098549" y="33224233"/>
+            <a:ext cx="16274457" cy="326017"/>
+          </a:xfrm>
+          <a:prstGeom prst="roundRect">
+            <a:avLst/>
+          </a:prstGeom>
+          <a:ln/>
+        </p:spPr>
+        <p:style>
+          <a:lnRef idx="2">
+            <a:schemeClr val="dk1"/>
+          </a:lnRef>
+          <a:fillRef idx="1">
+            <a:schemeClr val="lt1"/>
+          </a:fillRef>
+          <a:effectRef idx="0">
+            <a:schemeClr val="dk1"/>
+          </a:effectRef>
+          <a:fontRef idx="minor">
+            <a:schemeClr val="dk1"/>
+          </a:fontRef>
+        </p:style>
+        <p:txBody>
+          <a:bodyPr rtlCol="0" anchor="ctr"/>
+          <a:lstStyle/>
+          <a:p>
+            <a:pPr algn="ctr"/>
+            <a:endParaRPr lang="en-US" dirty="0">
+              <a:ln w="12700">
+                <a:solidFill>
+                  <a:schemeClr val="tx1"/>
+                </a:solidFill>
+              </a:ln>
+            </a:endParaRPr>
+          </a:p>
+        </p:txBody>
+      </p:sp>
+      <p:sp>
+        <p:nvSpPr>
+          <p:cNvPr id="43" name="Isosceles Triangle 42">
+            <a:extLst>
+              <a:ext uri="{FF2B5EF4-FFF2-40B4-BE49-F238E27FC236}">
+                <a16:creationId xmlns:a16="http://schemas.microsoft.com/office/drawing/2014/main" id="{E76D8E63-F5FE-436A-A63E-05DF598936D4}"/>
+              </a:ext>
+            </a:extLst>
+          </p:cNvPr>
+          <p:cNvSpPr/>
+          <p:nvPr/>
+        </p:nvSpPr>
+        <p:spPr>
+          <a:xfrm rot="5400000">
+            <a:off x="22563660" y="35507614"/>
+            <a:ext cx="905674" cy="827440"/>
           </a:xfrm>
           <a:prstGeom prst="triangle">
             <a:avLst/>
@@ -5176,10 +5692,10 @@
       </p:sp>
       <p:sp>
         <p:nvSpPr>
-          <p:cNvPr id="45" name="Rectangle 44">
+          <p:cNvPr id="46" name="Rectangle 45">
             <a:extLst>
               <a:ext uri="{FF2B5EF4-FFF2-40B4-BE49-F238E27FC236}">
-                <a16:creationId xmlns:a16="http://schemas.microsoft.com/office/drawing/2014/main" id="{EFE2BB91-C001-4632-8086-88FA2A590F01}"/>
+                <a16:creationId xmlns:a16="http://schemas.microsoft.com/office/drawing/2014/main" id="{8AC57FBD-98FF-4953-B9EC-C3AFF3CE9368}"/>
               </a:ext>
             </a:extLst>
           </p:cNvPr>
@@ -5187,9 +5703,9 @@
           <p:nvPr/>
         </p:nvSpPr>
         <p:spPr>
-          <a:xfrm>
-            <a:off x="24159409" y="34602821"/>
-            <a:ext cx="240631" cy="1251284"/>
+          <a:xfrm rot="10800000">
+            <a:off x="23448937" y="35425648"/>
+            <a:ext cx="204107" cy="1061359"/>
           </a:xfrm>
           <a:prstGeom prst="rect">
             <a:avLst/>
@@ -5230,10 +5746,10 @@
       </p:sp>
       <p:sp>
         <p:nvSpPr>
-          <p:cNvPr id="67" name="Rectangle 66">
+          <p:cNvPr id="48" name="Oval 47">
             <a:extLst>
               <a:ext uri="{FF2B5EF4-FFF2-40B4-BE49-F238E27FC236}">
-                <a16:creationId xmlns:a16="http://schemas.microsoft.com/office/drawing/2014/main" id="{0DD03499-48E3-498F-8389-F30FC14002C0}"/>
+                <a16:creationId xmlns:a16="http://schemas.microsoft.com/office/drawing/2014/main" id="{AD6115D4-A4FF-4580-9032-43C02F5C1663}"/>
               </a:ext>
             </a:extLst>
           </p:cNvPr>
@@ -5242,15 +5758,12 @@
         </p:nvSpPr>
         <p:spPr>
           <a:xfrm>
-            <a:off x="13724029" y="34562717"/>
-            <a:ext cx="240631" cy="1251284"/>
+            <a:off x="22965132" y="32827283"/>
+            <a:ext cx="1178217" cy="1101770"/>
           </a:xfrm>
-          <a:prstGeom prst="rect">
+          <a:prstGeom prst="ellipse">
             <a:avLst/>
           </a:prstGeom>
-          <a:solidFill>
-            <a:schemeClr val="bg1"/>
-          </a:solidFill>
           <a:ln w="12700">
             <a:solidFill>
               <a:schemeClr val="tx1"/>
@@ -5259,18 +5772,16 @@
         </p:spPr>
         <p:style>
           <a:lnRef idx="2">
-            <a:schemeClr val="accent1">
-              <a:shade val="50000"/>
-            </a:schemeClr>
+            <a:schemeClr val="dk1"/>
           </a:lnRef>
           <a:fillRef idx="1">
-            <a:schemeClr val="accent1"/>
+            <a:schemeClr val="lt1"/>
           </a:fillRef>
           <a:effectRef idx="0">
-            <a:schemeClr val="accent1"/>
+            <a:schemeClr val="dk1"/>
           </a:effectRef>
           <a:fontRef idx="minor">
-            <a:schemeClr val="lt1"/>
+            <a:schemeClr val="dk1"/>
           </a:fontRef>
         </p:style>
         <p:txBody>
@@ -5279,170 +5790,6 @@
           <a:p>
             <a:pPr algn="ctr"/>
             <a:endParaRPr lang="en-US"/>
-          </a:p>
-        </p:txBody>
-      </p:sp>
-      <p:sp>
-        <p:nvSpPr>
-          <p:cNvPr id="70" name="TextBox 69">
-            <a:extLst>
-              <a:ext uri="{FF2B5EF4-FFF2-40B4-BE49-F238E27FC236}">
-                <a16:creationId xmlns:a16="http://schemas.microsoft.com/office/drawing/2014/main" id="{2533B73C-8065-40B2-9665-04A701E1D279}"/>
-              </a:ext>
-            </a:extLst>
-          </p:cNvPr>
-          <p:cNvSpPr txBox="1"/>
-          <p:nvPr/>
-        </p:nvSpPr>
-        <p:spPr>
-          <a:xfrm>
-            <a:off x="24076693" y="6165730"/>
-            <a:ext cx="2631407" cy="1815882"/>
-          </a:xfrm>
-          <a:prstGeom prst="rect">
-            <a:avLst/>
-          </a:prstGeom>
-          <a:noFill/>
-        </p:spPr>
-        <p:txBody>
-          <a:bodyPr wrap="square" rtlCol="0">
-            <a:spAutoFit/>
-          </a:bodyPr>
-          <a:lstStyle/>
-          <a:p>
-            <a:r>
-              <a:rPr lang="en-US" sz="2800" b="1" dirty="0"/>
-              <a:t>Figure 1</a:t>
-            </a:r>
-            <a:r>
-              <a:rPr lang="en-US" sz="2800" dirty="0"/>
-              <a:t>. QQ1 Top 5 responses (out of 9), by ad group</a:t>
-            </a:r>
-          </a:p>
-        </p:txBody>
-      </p:sp>
-      <p:sp>
-        <p:nvSpPr>
-          <p:cNvPr id="72" name="TextBox 71">
-            <a:extLst>
-              <a:ext uri="{FF2B5EF4-FFF2-40B4-BE49-F238E27FC236}">
-                <a16:creationId xmlns:a16="http://schemas.microsoft.com/office/drawing/2014/main" id="{00584808-E9AD-436A-9FD4-4FFEB42FF493}"/>
-              </a:ext>
-            </a:extLst>
-          </p:cNvPr>
-          <p:cNvSpPr txBox="1"/>
-          <p:nvPr/>
-        </p:nvSpPr>
-        <p:spPr>
-          <a:xfrm>
-            <a:off x="12227593" y="13825834"/>
-            <a:ext cx="2425383" cy="1384995"/>
-          </a:xfrm>
-          <a:prstGeom prst="rect">
-            <a:avLst/>
-          </a:prstGeom>
-          <a:noFill/>
-        </p:spPr>
-        <p:txBody>
-          <a:bodyPr wrap="square" rtlCol="0">
-            <a:spAutoFit/>
-          </a:bodyPr>
-          <a:lstStyle/>
-          <a:p>
-            <a:r>
-              <a:rPr lang="en-US" sz="2800" b="1" dirty="0"/>
-              <a:t>Figure 2</a:t>
-            </a:r>
-            <a:r>
-              <a:rPr lang="en-US" sz="2800" dirty="0"/>
-              <a:t>. QQ3 responses by gender</a:t>
-            </a:r>
-          </a:p>
-        </p:txBody>
-      </p:sp>
-      <p:sp>
-        <p:nvSpPr>
-          <p:cNvPr id="73" name="TextBox 72">
-            <a:extLst>
-              <a:ext uri="{FF2B5EF4-FFF2-40B4-BE49-F238E27FC236}">
-                <a16:creationId xmlns:a16="http://schemas.microsoft.com/office/drawing/2014/main" id="{081F1535-CB6B-4E12-BA1D-90BB2BF89725}"/>
-              </a:ext>
-            </a:extLst>
-          </p:cNvPr>
-          <p:cNvSpPr txBox="1"/>
-          <p:nvPr/>
-        </p:nvSpPr>
-        <p:spPr>
-          <a:xfrm>
-            <a:off x="24190993" y="20178508"/>
-            <a:ext cx="2707607" cy="2677656"/>
-          </a:xfrm>
-          <a:prstGeom prst="rect">
-            <a:avLst/>
-          </a:prstGeom>
-          <a:noFill/>
-        </p:spPr>
-        <p:txBody>
-          <a:bodyPr wrap="square" rtlCol="0">
-            <a:spAutoFit/>
-          </a:bodyPr>
-          <a:lstStyle/>
-          <a:p>
-            <a:r>
-              <a:rPr lang="en-US" sz="2800" b="1" dirty="0"/>
-              <a:t>Table 1</a:t>
-            </a:r>
-            <a:r>
-              <a:rPr lang="en-US" sz="2800" dirty="0"/>
-              <a:t>. Composite score of QQ1-QQ3,with a difference of </a:t>
-            </a:r>
-            <a:r>
-              <a:rPr lang="en-US" sz="2800" u="sng" dirty="0"/>
-              <a:t>+</a:t>
-            </a:r>
-            <a:r>
-              <a:rPr lang="en-US" sz="2800" dirty="0"/>
-              <a:t> 50% in responses</a:t>
-            </a:r>
-          </a:p>
-        </p:txBody>
-      </p:sp>
-      <p:sp>
-        <p:nvSpPr>
-          <p:cNvPr id="74" name="TextBox 73">
-            <a:extLst>
-              <a:ext uri="{FF2B5EF4-FFF2-40B4-BE49-F238E27FC236}">
-                <a16:creationId xmlns:a16="http://schemas.microsoft.com/office/drawing/2014/main" id="{A04DA3CE-F412-4258-9FF2-D36002008D21}"/>
-              </a:ext>
-            </a:extLst>
-          </p:cNvPr>
-          <p:cNvSpPr txBox="1"/>
-          <p:nvPr/>
-        </p:nvSpPr>
-        <p:spPr>
-          <a:xfrm>
-            <a:off x="12151393" y="26990386"/>
-            <a:ext cx="2425383" cy="1815882"/>
-          </a:xfrm>
-          <a:prstGeom prst="rect">
-            <a:avLst/>
-          </a:prstGeom>
-          <a:noFill/>
-        </p:spPr>
-        <p:txBody>
-          <a:bodyPr wrap="square" rtlCol="0">
-            <a:spAutoFit/>
-          </a:bodyPr>
-          <a:lstStyle/>
-          <a:p>
-            <a:r>
-              <a:rPr lang="en-US" sz="2800" b="1" dirty="0"/>
-              <a:t>Figure 3</a:t>
-            </a:r>
-            <a:r>
-              <a:rPr lang="en-US" sz="2800" dirty="0"/>
-              <a:t>. Sentiment towards ad, by group</a:t>
-            </a:r>
           </a:p>
         </p:txBody>
       </p:sp>
